--- a/studio_afrik_slides.pptx
+++ b/studio_afrik_slides.pptx
@@ -452,7 +452,7 @@
           <a:p>
             <a:fld id="{B6DF633B-F500-4C36-9B2F-14387B7BDA11}" type="datetimeFigureOut">
               <a:rPr lang="en-US" smtClean="0"/>
-              <a:t>7/28/2024</a:t>
+              <a:t>7/29/2024</a:t>
             </a:fld>
             <a:endParaRPr lang="en-US"/>
           </a:p>
@@ -776,7 +776,7 @@
           <a:p>
             <a:fld id="{B6DF633B-F500-4C36-9B2F-14387B7BDA11}" type="datetimeFigureOut">
               <a:rPr lang="en-US" smtClean="0"/>
-              <a:t>7/28/2024</a:t>
+              <a:t>7/29/2024</a:t>
             </a:fld>
             <a:endParaRPr lang="en-US"/>
           </a:p>
@@ -1024,7 +1024,7 @@
           <a:p>
             <a:fld id="{B6DF633B-F500-4C36-9B2F-14387B7BDA11}" type="datetimeFigureOut">
               <a:rPr lang="en-US" smtClean="0"/>
-              <a:t>7/28/2024</a:t>
+              <a:t>7/29/2024</a:t>
             </a:fld>
             <a:endParaRPr lang="en-US"/>
           </a:p>
@@ -1363,7 +1363,7 @@
           <a:p>
             <a:fld id="{B6DF633B-F500-4C36-9B2F-14387B7BDA11}" type="datetimeFigureOut">
               <a:rPr lang="en-US" smtClean="0"/>
-              <a:t>7/28/2024</a:t>
+              <a:t>7/29/2024</a:t>
             </a:fld>
             <a:endParaRPr lang="en-US"/>
           </a:p>
@@ -1710,7 +1710,7 @@
           <a:p>
             <a:fld id="{B6DF633B-F500-4C36-9B2F-14387B7BDA11}" type="datetimeFigureOut">
               <a:rPr lang="en-US" smtClean="0"/>
-              <a:t>7/28/2024</a:t>
+              <a:t>7/29/2024</a:t>
             </a:fld>
             <a:endParaRPr lang="en-US"/>
           </a:p>
@@ -2084,7 +2084,7 @@
           <a:p>
             <a:fld id="{B6DF633B-F500-4C36-9B2F-14387B7BDA11}" type="datetimeFigureOut">
               <a:rPr lang="en-US" smtClean="0"/>
-              <a:t>7/28/2024</a:t>
+              <a:t>7/29/2024</a:t>
             </a:fld>
             <a:endParaRPr lang="en-US"/>
           </a:p>
@@ -2554,7 +2554,7 @@
           <a:p>
             <a:fld id="{B6DF633B-F500-4C36-9B2F-14387B7BDA11}" type="datetimeFigureOut">
               <a:rPr lang="en-US" smtClean="0"/>
-              <a:t>7/28/2024</a:t>
+              <a:t>7/29/2024</a:t>
             </a:fld>
             <a:endParaRPr lang="en-US"/>
           </a:p>
@@ -2764,7 +2764,7 @@
           <a:p>
             <a:fld id="{B6DF633B-F500-4C36-9B2F-14387B7BDA11}" type="datetimeFigureOut">
               <a:rPr lang="en-US" smtClean="0"/>
-              <a:t>7/28/2024</a:t>
+              <a:t>7/29/2024</a:t>
             </a:fld>
             <a:endParaRPr lang="en-US"/>
           </a:p>
@@ -2975,7 +2975,7 @@
           <a:p>
             <a:fld id="{B6DF633B-F500-4C36-9B2F-14387B7BDA11}" type="datetimeFigureOut">
               <a:rPr lang="en-US" smtClean="0"/>
-              <a:t>7/28/2024</a:t>
+              <a:t>7/29/2024</a:t>
             </a:fld>
             <a:endParaRPr lang="en-US"/>
           </a:p>
@@ -3207,7 +3207,7 @@
           <a:p>
             <a:fld id="{B6DF633B-F500-4C36-9B2F-14387B7BDA11}" type="datetimeFigureOut">
               <a:rPr lang="en-US" smtClean="0"/>
-              <a:t>7/28/2024</a:t>
+              <a:t>7/29/2024</a:t>
             </a:fld>
             <a:endParaRPr lang="en-US"/>
           </a:p>
@@ -3455,7 +3455,7 @@
           <a:p>
             <a:fld id="{B6DF633B-F500-4C36-9B2F-14387B7BDA11}" type="datetimeFigureOut">
               <a:rPr lang="en-US" smtClean="0"/>
-              <a:t>7/28/2024</a:t>
+              <a:t>7/29/2024</a:t>
             </a:fld>
             <a:endParaRPr lang="en-US"/>
           </a:p>
@@ -3758,7 +3758,7 @@
           <a:p>
             <a:fld id="{B6DF633B-F500-4C36-9B2F-14387B7BDA11}" type="datetimeFigureOut">
               <a:rPr lang="en-US" smtClean="0"/>
-              <a:t>7/28/2024</a:t>
+              <a:t>7/29/2024</a:t>
             </a:fld>
             <a:endParaRPr lang="en-US"/>
           </a:p>
@@ -4140,7 +4140,7 @@
           <a:p>
             <a:fld id="{B6DF633B-F500-4C36-9B2F-14387B7BDA11}" type="datetimeFigureOut">
               <a:rPr lang="en-US" smtClean="0"/>
-              <a:t>7/28/2024</a:t>
+              <a:t>7/29/2024</a:t>
             </a:fld>
             <a:endParaRPr lang="en-US"/>
           </a:p>
@@ -4294,7 +4294,7 @@
           <a:p>
             <a:fld id="{B6DF633B-F500-4C36-9B2F-14387B7BDA11}" type="datetimeFigureOut">
               <a:rPr lang="en-US" smtClean="0"/>
-              <a:t>7/28/2024</a:t>
+              <a:t>7/29/2024</a:t>
             </a:fld>
             <a:endParaRPr lang="en-US"/>
           </a:p>
@@ -4420,7 +4420,7 @@
           <a:p>
             <a:fld id="{B6DF633B-F500-4C36-9B2F-14387B7BDA11}" type="datetimeFigureOut">
               <a:rPr lang="en-US" smtClean="0"/>
-              <a:t>7/28/2024</a:t>
+              <a:t>7/29/2024</a:t>
             </a:fld>
             <a:endParaRPr lang="en-US"/>
           </a:p>
@@ -4675,7 +4675,7 @@
           <a:p>
             <a:fld id="{B6DF633B-F500-4C36-9B2F-14387B7BDA11}" type="datetimeFigureOut">
               <a:rPr lang="en-US" smtClean="0"/>
-              <a:t>7/28/2024</a:t>
+              <a:t>7/29/2024</a:t>
             </a:fld>
             <a:endParaRPr lang="en-US"/>
           </a:p>
@@ -4989,7 +4989,7 @@
           <a:p>
             <a:fld id="{B6DF633B-F500-4C36-9B2F-14387B7BDA11}" type="datetimeFigureOut">
               <a:rPr lang="en-US" smtClean="0"/>
-              <a:t>7/28/2024</a:t>
+              <a:t>7/29/2024</a:t>
             </a:fld>
             <a:endParaRPr lang="en-US"/>
           </a:p>
@@ -5340,7 +5340,7 @@
           <a:p>
             <a:fld id="{B6DF633B-F500-4C36-9B2F-14387B7BDA11}" type="datetimeFigureOut">
               <a:rPr lang="en-US" smtClean="0"/>
-              <a:t>7/28/2024</a:t>
+              <a:t>7/29/2024</a:t>
             </a:fld>
             <a:endParaRPr lang="en-US"/>
           </a:p>
@@ -5965,44 +5965,10 @@
             <p:ph type="body" idx="13"/>
           </p:nvPr>
         </p:nvSpPr>
-        <p:spPr/>
-        <p:txBody>
-          <a:bodyPr>
-            <a:normAutofit/>
-          </a:bodyPr>
-          <a:lstStyle/>
-          <a:p>
-            <a:pPr algn="ctr"/>
-            <a:r>
-              <a:rPr lang="en-US" dirty="0">
-                <a:latin typeface="Times New Roman" panose="02020603050405020304" pitchFamily="18" charset="0"/>
-                <a:cs typeface="Times New Roman" panose="02020603050405020304" pitchFamily="18" charset="0"/>
-              </a:rPr>
-              <a:t>Movie Datasets, 2010 - 2019</a:t>
-            </a:r>
-          </a:p>
-        </p:txBody>
-      </p:sp>
-      <p:sp>
-        <p:nvSpPr>
-          <p:cNvPr id="6" name="Text Placeholder 5">
-            <a:extLst>
-              <a:ext uri="{FF2B5EF4-FFF2-40B4-BE49-F238E27FC236}">
-                <a16:creationId xmlns:a16="http://schemas.microsoft.com/office/drawing/2014/main" id="{43C1E959-0AE0-C091-D91A-1579147B2D9B}"/>
-              </a:ext>
-            </a:extLst>
-          </p:cNvPr>
-          <p:cNvSpPr>
-            <a:spLocks noGrp="1"/>
-          </p:cNvSpPr>
-          <p:nvPr>
-            <p:ph type="body" idx="1"/>
-          </p:nvPr>
-        </p:nvSpPr>
         <p:spPr>
           <a:xfrm>
-            <a:off x="1176866" y="4760978"/>
-            <a:ext cx="6798734" cy="1114889"/>
+            <a:off x="1172639" y="3908503"/>
+            <a:ext cx="6798730" cy="709964"/>
           </a:xfrm>
         </p:spPr>
         <p:txBody>
@@ -6020,19 +5986,26 @@
               <a:t>Analysis by</a:t>
             </a:r>
             <a:r>
-              <a:rPr lang="en-US" sz="1800" dirty="0">
+              <a:rPr lang="en-US" sz="2000" dirty="0">
                 <a:latin typeface="Times New Roman" panose="02020603050405020304" pitchFamily="18" charset="0"/>
                 <a:cs typeface="Times New Roman" panose="02020603050405020304" pitchFamily="18" charset="0"/>
               </a:rPr>
               <a:t>:</a:t>
             </a:r>
             <a:r>
-              <a:rPr lang="en-US" sz="1800" b="1" dirty="0">
+              <a:rPr lang="en-US" sz="2000" b="1" dirty="0">
                 <a:latin typeface="Times New Roman" panose="02020603050405020304" pitchFamily="18" charset="0"/>
                 <a:cs typeface="Times New Roman" panose="02020603050405020304" pitchFamily="18" charset="0"/>
               </a:rPr>
               <a:t> James Kamau</a:t>
             </a:r>
+          </a:p>
+          <a:p>
+            <a:pPr algn="ctr"/>
+            <a:endParaRPr lang="en-US" dirty="0">
+              <a:latin typeface="Times New Roman" panose="02020603050405020304" pitchFamily="18" charset="0"/>
+              <a:cs typeface="Times New Roman" panose="02020603050405020304" pitchFamily="18" charset="0"/>
+            </a:endParaRPr>
           </a:p>
         </p:txBody>
       </p:sp>
